--- a/Intelligenza artificiale in aula: innovare l'insegnamento con la tecnologia/Intelligenza artificiale in aula_ innovare l'insegnamento con la tecnologia.pptx
+++ b/Intelligenza artificiale in aula: innovare l'insegnamento con la tecnologia/Intelligenza artificiale in aula_ innovare l'insegnamento con la tecnologia.pptx
@@ -17,22 +17,21 @@
     <p:sldId id="262" r:id="rId12"/>
     <p:sldId id="263" r:id="rId13"/>
     <p:sldId id="264" r:id="rId14"/>
-    <p:sldId id="265" r:id="rId15"/>
   </p:sldIdLst>
   <p:sldSz cy="5143500" cx="9144000"/>
   <p:notesSz cx="6858000" cy="9144000"/>
   <p:embeddedFontLst>
     <p:embeddedFont>
       <p:font typeface="PT Sans Narrow"/>
-      <p:regular r:id="rId16"/>
-      <p:bold r:id="rId17"/>
+      <p:regular r:id="rId15"/>
+      <p:bold r:id="rId16"/>
     </p:embeddedFont>
     <p:embeddedFont>
       <p:font typeface="Open Sans"/>
-      <p:regular r:id="rId18"/>
-      <p:bold r:id="rId19"/>
-      <p:italic r:id="rId20"/>
-      <p:boldItalic r:id="rId21"/>
+      <p:regular r:id="rId17"/>
+      <p:bold r:id="rId18"/>
+      <p:italic r:id="rId19"/>
+      <p:boldItalic r:id="rId20"/>
     </p:embeddedFont>
   </p:embeddedFontLst>
   <p:defaultTextStyle>
@@ -808,105 +807,6 @@
 </p:notes>
 </file>
 
-<file path=ppt/notesSlides/notesSlide10.xml><?xml version="1.0" encoding="utf-8"?>
-<p:notes xmlns:a="http://schemas.openxmlformats.org/drawingml/2006/main" xmlns:r="http://schemas.openxmlformats.org/officeDocument/2006/relationships" xmlns:mc="http://schemas.openxmlformats.org/markup-compatibility/2006" xmlns:mv="urn:schemas-microsoft-com:mac:vml" xmlns:p="http://schemas.openxmlformats.org/presentationml/2006/main" xmlns:c="http://schemas.openxmlformats.org/drawingml/2006/chart" xmlns:dgm="http://schemas.openxmlformats.org/drawingml/2006/diagram" xmlns:o="urn:schemas-microsoft-com:office:office" xmlns:v="urn:schemas-microsoft-com:vml" xmlns:pvml="urn:schemas-microsoft-com:office:powerpoint" xmlns:com="http://schemas.openxmlformats.org/drawingml/2006/compatibility" xmlns:p14="http://schemas.microsoft.com/office/powerpoint/2010/main" xmlns:p15="http://schemas.microsoft.com/office/powerpoint/2012/main" xmlns:ahyp="http://schemas.microsoft.com/office/drawing/2018/hyperlinkcolor" showMasterPhAnim="0" showMasterSp="0">
-  <p:cSld>
-    <p:spTree>
-      <p:nvGrpSpPr>
-        <p:cNvPr id="113" name="Shape 113"/>
-        <p:cNvGrpSpPr/>
-        <p:nvPr/>
-      </p:nvGrpSpPr>
-      <p:grpSpPr>
-        <a:xfrm>
-          <a:off x="0" y="0"/>
-          <a:ext cx="0" cy="0"/>
-          <a:chOff x="0" y="0"/>
-          <a:chExt cx="0" cy="0"/>
-        </a:xfrm>
-      </p:grpSpPr>
-      <p:sp>
-        <p:nvSpPr>
-          <p:cNvPr id="114" name="Google Shape;114;g3284c364403_2_281:notes"/>
-          <p:cNvSpPr/>
-          <p:nvPr>
-            <p:ph idx="2" type="sldImg"/>
-          </p:nvPr>
-        </p:nvSpPr>
-        <p:spPr>
-          <a:xfrm>
-            <a:off x="381300" y="685800"/>
-            <a:ext cx="6096000" cy="3429000"/>
-          </a:xfrm>
-          <a:custGeom>
-            <a:rect b="b" l="l" r="r" t="t"/>
-            <a:pathLst>
-              <a:path extrusionOk="0" h="120000" w="120000">
-                <a:moveTo>
-                  <a:pt x="0" y="0"/>
-                </a:moveTo>
-                <a:lnTo>
-                  <a:pt x="120000" y="0"/>
-                </a:lnTo>
-                <a:lnTo>
-                  <a:pt x="120000" y="120000"/>
-                </a:lnTo>
-                <a:lnTo>
-                  <a:pt x="0" y="120000"/>
-                </a:lnTo>
-                <a:close/>
-              </a:path>
-            </a:pathLst>
-          </a:custGeom>
-        </p:spPr>
-      </p:sp>
-      <p:sp>
-        <p:nvSpPr>
-          <p:cNvPr id="115" name="Google Shape;115;g3284c364403_2_281:notes"/>
-          <p:cNvSpPr txBox="1"/>
-          <p:nvPr>
-            <p:ph idx="1" type="body"/>
-          </p:nvPr>
-        </p:nvSpPr>
-        <p:spPr>
-          <a:xfrm>
-            <a:off x="685800" y="4343400"/>
-            <a:ext cx="5486400" cy="4114800"/>
-          </a:xfrm>
-          <a:prstGeom prst="rect">
-            <a:avLst/>
-          </a:prstGeom>
-        </p:spPr>
-        <p:txBody>
-          <a:bodyPr anchorCtr="0" anchor="t" bIns="91425" lIns="91425" spcFirstLastPara="1" rIns="91425" wrap="square" tIns="91425">
-            <a:noAutofit/>
-          </a:bodyPr>
-          <a:lstStyle/>
-          <a:p>
-            <a:pPr indent="0" lvl="0" marL="0" rtl="0" algn="l">
-              <a:spcBef>
-                <a:spcPts val="0"/>
-              </a:spcBef>
-              <a:spcAft>
-                <a:spcPts val="0"/>
-              </a:spcAft>
-              <a:buNone/>
-            </a:pPr>
-            <a:r>
-              <a:t/>
-            </a:r>
-            <a:endParaRPr/>
-          </a:p>
-        </p:txBody>
-      </p:sp>
-    </p:spTree>
-  </p:cSld>
-  <p:clrMapOvr>
-    <a:masterClrMapping/>
-  </p:clrMapOvr>
-</p:notes>
-</file>
-
 <file path=ppt/notesSlides/notesSlide2.xml><?xml version="1.0" encoding="utf-8"?>
 <p:notes xmlns:a="http://schemas.openxmlformats.org/drawingml/2006/main" xmlns:r="http://schemas.openxmlformats.org/officeDocument/2006/relationships" xmlns:mc="http://schemas.openxmlformats.org/markup-compatibility/2006" xmlns:mv="urn:schemas-microsoft-com:mac:vml" xmlns:p="http://schemas.openxmlformats.org/presentationml/2006/main" xmlns:c="http://schemas.openxmlformats.org/drawingml/2006/chart" xmlns:dgm="http://schemas.openxmlformats.org/drawingml/2006/diagram" xmlns:o="urn:schemas-microsoft-com:office:office" xmlns:v="urn:schemas-microsoft-com:vml" xmlns:pvml="urn:schemas-microsoft-com:office:powerpoint" xmlns:com="http://schemas.openxmlformats.org/drawingml/2006/compatibility" xmlns:p14="http://schemas.microsoft.com/office/powerpoint/2010/main" xmlns:p15="http://schemas.microsoft.com/office/powerpoint/2012/main" xmlns:ahyp="http://schemas.microsoft.com/office/drawing/2018/hyperlinkcolor" showMasterPhAnim="0" showMasterSp="0">
   <p:cSld>
@@ -1124,7 +1024,7 @@
       </p:grpSpPr>
       <p:sp>
         <p:nvSpPr>
-          <p:cNvPr id="80" name="Google Shape;80;g3284c364403_3_0:notes"/>
+          <p:cNvPr id="80" name="Google Shape;80;g3284c364403_3_4:notes"/>
           <p:cNvSpPr/>
           <p:nvPr>
             <p:ph idx="2" type="sldImg"/>
@@ -1159,7 +1059,7 @@
       </p:sp>
       <p:sp>
         <p:nvSpPr>
-          <p:cNvPr id="81" name="Google Shape;81;g3284c364403_3_0:notes"/>
+          <p:cNvPr id="81" name="Google Shape;81;g3284c364403_3_4:notes"/>
           <p:cNvSpPr txBox="1"/>
           <p:nvPr>
             <p:ph idx="1" type="body"/>
@@ -1223,7 +1123,7 @@
       </p:grpSpPr>
       <p:sp>
         <p:nvSpPr>
-          <p:cNvPr id="85" name="Google Shape;85;g3284c364403_3_4:notes"/>
+          <p:cNvPr id="85" name="Google Shape;85;g3284c364403_2_250:notes"/>
           <p:cNvSpPr/>
           <p:nvPr>
             <p:ph idx="2" type="sldImg"/>
@@ -1258,7 +1158,7 @@
       </p:sp>
       <p:sp>
         <p:nvSpPr>
-          <p:cNvPr id="86" name="Google Shape;86;g3284c364403_3_4:notes"/>
+          <p:cNvPr id="86" name="Google Shape;86;g3284c364403_2_250:notes"/>
           <p:cNvSpPr txBox="1"/>
           <p:nvPr>
             <p:ph idx="1" type="body"/>
@@ -1308,7 +1208,7 @@
   <p:cSld>
     <p:spTree>
       <p:nvGrpSpPr>
-        <p:cNvPr id="89" name="Shape 89"/>
+        <p:cNvPr id="90" name="Shape 90"/>
         <p:cNvGrpSpPr/>
         <p:nvPr/>
       </p:nvGrpSpPr>
@@ -1322,7 +1222,7 @@
       </p:grpSpPr>
       <p:sp>
         <p:nvSpPr>
-          <p:cNvPr id="90" name="Google Shape;90;g3284c364403_2_250:notes"/>
+          <p:cNvPr id="91" name="Google Shape;91;g3284c364403_2_256:notes"/>
           <p:cNvSpPr/>
           <p:nvPr>
             <p:ph idx="2" type="sldImg"/>
@@ -1357,7 +1257,7 @@
       </p:sp>
       <p:sp>
         <p:nvSpPr>
-          <p:cNvPr id="91" name="Google Shape;91;g3284c364403_2_250:notes"/>
+          <p:cNvPr id="92" name="Google Shape;92;g3284c364403_2_256:notes"/>
           <p:cNvSpPr txBox="1"/>
           <p:nvPr>
             <p:ph idx="1" type="body"/>
@@ -1407,7 +1307,7 @@
   <p:cSld>
     <p:spTree>
       <p:nvGrpSpPr>
-        <p:cNvPr id="95" name="Shape 95"/>
+        <p:cNvPr id="96" name="Shape 96"/>
         <p:cNvGrpSpPr/>
         <p:nvPr/>
       </p:nvGrpSpPr>
@@ -1421,7 +1321,7 @@
       </p:grpSpPr>
       <p:sp>
         <p:nvSpPr>
-          <p:cNvPr id="96" name="Google Shape;96;g3284c364403_2_256:notes"/>
+          <p:cNvPr id="97" name="Google Shape;97;g3284c364403_2_269:notes"/>
           <p:cNvSpPr/>
           <p:nvPr>
             <p:ph idx="2" type="sldImg"/>
@@ -1456,7 +1356,7 @@
       </p:sp>
       <p:sp>
         <p:nvSpPr>
-          <p:cNvPr id="97" name="Google Shape;97;g3284c364403_2_256:notes"/>
+          <p:cNvPr id="98" name="Google Shape;98;g3284c364403_2_269:notes"/>
           <p:cNvSpPr txBox="1"/>
           <p:nvPr>
             <p:ph idx="1" type="body"/>
@@ -1506,7 +1406,7 @@
   <p:cSld>
     <p:spTree>
       <p:nvGrpSpPr>
-        <p:cNvPr id="101" name="Shape 101"/>
+        <p:cNvPr id="102" name="Shape 102"/>
         <p:cNvGrpSpPr/>
         <p:nvPr/>
       </p:nvGrpSpPr>
@@ -1520,7 +1420,7 @@
       </p:grpSpPr>
       <p:sp>
         <p:nvSpPr>
-          <p:cNvPr id="102" name="Google Shape;102;g3284c364403_2_269:notes"/>
+          <p:cNvPr id="103" name="Google Shape;103;g3284c364403_2_274:notes"/>
           <p:cNvSpPr/>
           <p:nvPr>
             <p:ph idx="2" type="sldImg"/>
@@ -1555,7 +1455,7 @@
       </p:sp>
       <p:sp>
         <p:nvSpPr>
-          <p:cNvPr id="103" name="Google Shape;103;g3284c364403_2_269:notes"/>
+          <p:cNvPr id="104" name="Google Shape;104;g3284c364403_2_274:notes"/>
           <p:cNvSpPr txBox="1"/>
           <p:nvPr>
             <p:ph idx="1" type="body"/>
@@ -1605,7 +1505,7 @@
   <p:cSld>
     <p:spTree>
       <p:nvGrpSpPr>
-        <p:cNvPr id="107" name="Shape 107"/>
+        <p:cNvPr id="108" name="Shape 108"/>
         <p:cNvGrpSpPr/>
         <p:nvPr/>
       </p:nvGrpSpPr>
@@ -1619,7 +1519,7 @@
       </p:grpSpPr>
       <p:sp>
         <p:nvSpPr>
-          <p:cNvPr id="108" name="Google Shape;108;g3284c364403_2_274:notes"/>
+          <p:cNvPr id="109" name="Google Shape;109;g3284c364403_2_281:notes"/>
           <p:cNvSpPr/>
           <p:nvPr>
             <p:ph idx="2" type="sldImg"/>
@@ -1654,7 +1554,7 @@
       </p:sp>
       <p:sp>
         <p:nvSpPr>
-          <p:cNvPr id="109" name="Google Shape;109;g3284c364403_2_274:notes"/>
+          <p:cNvPr id="110" name="Google Shape;110;g3284c364403_2_281:notes"/>
           <p:cNvSpPr txBox="1"/>
           <p:nvPr>
             <p:ph idx="1" type="body"/>
@@ -7154,299 +7054,6 @@
 </p:sld>
 </file>
 
-<file path=ppt/slides/slide10.xml><?xml version="1.0" encoding="utf-8"?>
-<p:sld xmlns:a="http://schemas.openxmlformats.org/drawingml/2006/main" xmlns:r="http://schemas.openxmlformats.org/officeDocument/2006/relationships" xmlns:mc="http://schemas.openxmlformats.org/markup-compatibility/2006" xmlns:mv="urn:schemas-microsoft-com:mac:vml" xmlns:p="http://schemas.openxmlformats.org/presentationml/2006/main" xmlns:c="http://schemas.openxmlformats.org/drawingml/2006/chart" xmlns:dgm="http://schemas.openxmlformats.org/drawingml/2006/diagram" xmlns:o="urn:schemas-microsoft-com:office:office" xmlns:v="urn:schemas-microsoft-com:vml" xmlns:pvml="urn:schemas-microsoft-com:office:powerpoint" xmlns:com="http://schemas.openxmlformats.org/drawingml/2006/compatibility" xmlns:p14="http://schemas.microsoft.com/office/powerpoint/2010/main" xmlns:p15="http://schemas.microsoft.com/office/powerpoint/2012/main" xmlns:ahyp="http://schemas.microsoft.com/office/drawing/2018/hyperlinkcolor">
-  <p:cSld>
-    <p:spTree>
-      <p:nvGrpSpPr>
-        <p:cNvPr id="116" name="Shape 116"/>
-        <p:cNvGrpSpPr/>
-        <p:nvPr/>
-      </p:nvGrpSpPr>
-      <p:grpSpPr>
-        <a:xfrm>
-          <a:off x="0" y="0"/>
-          <a:ext cx="0" cy="0"/>
-          <a:chOff x="0" y="0"/>
-          <a:chExt cx="0" cy="0"/>
-        </a:xfrm>
-      </p:grpSpPr>
-      <p:sp>
-        <p:nvSpPr>
-          <p:cNvPr id="117" name="Google Shape;117;p22"/>
-          <p:cNvSpPr txBox="1"/>
-          <p:nvPr>
-            <p:ph type="title"/>
-          </p:nvPr>
-        </p:nvSpPr>
-        <p:spPr>
-          <a:xfrm>
-            <a:off x="311700" y="445025"/>
-            <a:ext cx="8520600" cy="707400"/>
-          </a:xfrm>
-          <a:prstGeom prst="rect">
-            <a:avLst/>
-          </a:prstGeom>
-        </p:spPr>
-        <p:txBody>
-          <a:bodyPr anchorCtr="0" anchor="t" bIns="91425" lIns="91425" spcFirstLastPara="1" rIns="91425" wrap="square" tIns="91425">
-            <a:normAutofit fontScale="90000"/>
-          </a:bodyPr>
-          <a:lstStyle/>
-          <a:p>
-            <a:pPr indent="0" lvl="0" marL="0" rtl="0" algn="l">
-              <a:spcBef>
-                <a:spcPts val="0"/>
-              </a:spcBef>
-              <a:spcAft>
-                <a:spcPts val="0"/>
-              </a:spcAft>
-              <a:buNone/>
-            </a:pPr>
-            <a:r>
-              <a:rPr lang="it"/>
-              <a:t>Progetto Individuale </a:t>
-            </a:r>
-            <a:endParaRPr/>
-          </a:p>
-        </p:txBody>
-      </p:sp>
-      <p:sp>
-        <p:nvSpPr>
-          <p:cNvPr id="118" name="Google Shape;118;p22"/>
-          <p:cNvSpPr txBox="1"/>
-          <p:nvPr>
-            <p:ph idx="1" type="body"/>
-          </p:nvPr>
-        </p:nvSpPr>
-        <p:spPr>
-          <a:xfrm>
-            <a:off x="311700" y="1266325"/>
-            <a:ext cx="8520600" cy="3302700"/>
-          </a:xfrm>
-          <a:prstGeom prst="rect">
-            <a:avLst/>
-          </a:prstGeom>
-        </p:spPr>
-        <p:txBody>
-          <a:bodyPr anchorCtr="0" anchor="t" bIns="91425" lIns="91425" spcFirstLastPara="1" rIns="91425" wrap="square" tIns="91425">
-            <a:normAutofit lnSpcReduction="20000"/>
-          </a:bodyPr>
-          <a:lstStyle/>
-          <a:p>
-            <a:pPr indent="-342900" lvl="0" marL="457200" rtl="0" algn="l">
-              <a:spcBef>
-                <a:spcPts val="0"/>
-              </a:spcBef>
-              <a:spcAft>
-                <a:spcPts val="0"/>
-              </a:spcAft>
-              <a:buSzPts val="1800"/>
-              <a:buAutoNum type="arabicPeriod"/>
-            </a:pPr>
-            <a:r>
-              <a:rPr lang="it"/>
-              <a:t>Creazione di una lezione completa su un argomento a scelta utilizzando strumenti di IA.</a:t>
-            </a:r>
-            <a:endParaRPr/>
-          </a:p>
-          <a:p>
-            <a:pPr indent="-342900" lvl="0" marL="457200" rtl="0" algn="l">
-              <a:spcBef>
-                <a:spcPts val="0"/>
-              </a:spcBef>
-              <a:spcAft>
-                <a:spcPts val="0"/>
-              </a:spcAft>
-              <a:buSzPts val="1800"/>
-              <a:buAutoNum type="arabicPeriod"/>
-            </a:pPr>
-            <a:r>
-              <a:rPr lang="it"/>
-              <a:t>Struttura: </a:t>
-            </a:r>
-            <a:endParaRPr/>
-          </a:p>
-          <a:p>
-            <a:pPr indent="-317500" lvl="1" marL="914400" rtl="0" algn="l">
-              <a:spcBef>
-                <a:spcPts val="0"/>
-              </a:spcBef>
-              <a:spcAft>
-                <a:spcPts val="0"/>
-              </a:spcAft>
-              <a:buSzPts val="1400"/>
-              <a:buAutoNum type="alphaLcPeriod"/>
-            </a:pPr>
-            <a:r>
-              <a:rPr lang="it"/>
-              <a:t>Introduzione all'argomento.</a:t>
-            </a:r>
-            <a:endParaRPr/>
-          </a:p>
-          <a:p>
-            <a:pPr indent="-317500" lvl="1" marL="914400" rtl="0" algn="l">
-              <a:spcBef>
-                <a:spcPts val="0"/>
-              </a:spcBef>
-              <a:spcAft>
-                <a:spcPts val="0"/>
-              </a:spcAft>
-              <a:buSzPts val="1400"/>
-              <a:buAutoNum type="alphaLcPeriod"/>
-            </a:pPr>
-            <a:r>
-              <a:rPr lang="it"/>
-              <a:t>Concetti base e avanzati.</a:t>
-            </a:r>
-            <a:endParaRPr/>
-          </a:p>
-          <a:p>
-            <a:pPr indent="-317500" lvl="1" marL="914400" rtl="0" algn="l">
-              <a:spcBef>
-                <a:spcPts val="0"/>
-              </a:spcBef>
-              <a:spcAft>
-                <a:spcPts val="0"/>
-              </a:spcAft>
-              <a:buSzPts val="1400"/>
-              <a:buAutoNum type="alphaLcPeriod"/>
-            </a:pPr>
-            <a:r>
-              <a:rPr lang="it"/>
-              <a:t>Applicazioni pratiche.</a:t>
-            </a:r>
-            <a:endParaRPr/>
-          </a:p>
-          <a:p>
-            <a:pPr indent="-317500" lvl="1" marL="914400" rtl="0" algn="l">
-              <a:spcBef>
-                <a:spcPts val="0"/>
-              </a:spcBef>
-              <a:spcAft>
-                <a:spcPts val="0"/>
-              </a:spcAft>
-              <a:buSzPts val="1400"/>
-              <a:buAutoNum type="alphaLcPeriod"/>
-            </a:pPr>
-            <a:r>
-              <a:rPr lang="it"/>
-              <a:t>Esercizi pratici o quiz.</a:t>
-            </a:r>
-            <a:endParaRPr/>
-          </a:p>
-          <a:p>
-            <a:pPr indent="-317500" lvl="1" marL="914400" rtl="0" algn="l">
-              <a:spcBef>
-                <a:spcPts val="0"/>
-              </a:spcBef>
-              <a:spcAft>
-                <a:spcPts val="0"/>
-              </a:spcAft>
-              <a:buSzPts val="1400"/>
-              <a:buAutoNum type="alphaLcPeriod"/>
-            </a:pPr>
-            <a:r>
-              <a:rPr lang="it"/>
-              <a:t>Riepilogo e risorse aggiuntive.</a:t>
-            </a:r>
-            <a:endParaRPr/>
-          </a:p>
-          <a:p>
-            <a:pPr indent="-342900" lvl="0" marL="457200" rtl="0" algn="l">
-              <a:spcBef>
-                <a:spcPts val="0"/>
-              </a:spcBef>
-              <a:spcAft>
-                <a:spcPts val="0"/>
-              </a:spcAft>
-              <a:buSzPts val="1800"/>
-              <a:buAutoNum type="arabicPeriod"/>
-            </a:pPr>
-            <a:r>
-              <a:rPr lang="it"/>
-              <a:t>Creazione di Materiale didattico </a:t>
-            </a:r>
-            <a:endParaRPr/>
-          </a:p>
-          <a:p>
-            <a:pPr indent="-317500" lvl="1" marL="914400" rtl="0" algn="l">
-              <a:spcBef>
-                <a:spcPts val="0"/>
-              </a:spcBef>
-              <a:spcAft>
-                <a:spcPts val="0"/>
-              </a:spcAft>
-              <a:buSzPts val="1400"/>
-              <a:buAutoNum type="alphaLcPeriod"/>
-            </a:pPr>
-            <a:r>
-              <a:rPr lang="it"/>
-              <a:t>Schede didattiche </a:t>
-            </a:r>
-            <a:endParaRPr/>
-          </a:p>
-          <a:p>
-            <a:pPr indent="-317500" lvl="1" marL="914400" rtl="0" algn="l">
-              <a:spcBef>
-                <a:spcPts val="0"/>
-              </a:spcBef>
-              <a:spcAft>
-                <a:spcPts val="0"/>
-              </a:spcAft>
-              <a:buSzPts val="1400"/>
-              <a:buAutoNum type="alphaLcPeriod"/>
-            </a:pPr>
-            <a:r>
-              <a:rPr lang="it"/>
-              <a:t>Quiz interattivi </a:t>
-            </a:r>
-            <a:endParaRPr/>
-          </a:p>
-          <a:p>
-            <a:pPr indent="-317500" lvl="1" marL="914400" rtl="0" algn="l">
-              <a:spcBef>
-                <a:spcPts val="0"/>
-              </a:spcBef>
-              <a:spcAft>
-                <a:spcPts val="0"/>
-              </a:spcAft>
-              <a:buSzPts val="1400"/>
-              <a:buAutoNum type="alphaLcPeriod"/>
-            </a:pPr>
-            <a:r>
-              <a:rPr lang="it"/>
-              <a:t>creazione di immagini usando AI </a:t>
-            </a:r>
-            <a:endParaRPr/>
-          </a:p>
-          <a:p>
-            <a:pPr indent="-342900" lvl="0" marL="457200" rtl="0" algn="l">
-              <a:spcBef>
-                <a:spcPts val="0"/>
-              </a:spcBef>
-              <a:spcAft>
-                <a:spcPts val="0"/>
-              </a:spcAft>
-              <a:buSzPts val="1800"/>
-              <a:buAutoNum type="arabicPeriod"/>
-            </a:pPr>
-            <a:r>
-              <a:rPr lang="it"/>
-              <a:t>Presentazione</a:t>
-            </a:r>
-            <a:endParaRPr/>
-          </a:p>
-        </p:txBody>
-      </p:sp>
-    </p:spTree>
-  </p:cSld>
-  <p:clrMapOvr>
-    <a:masterClrMapping/>
-  </p:clrMapOvr>
-</p:sld>
-</file>
-
 <file path=ppt/slides/slide2.xml><?xml version="1.0" encoding="utf-8"?>
 <p:sld xmlns:a="http://schemas.openxmlformats.org/drawingml/2006/main" xmlns:r="http://schemas.openxmlformats.org/officeDocument/2006/relationships" xmlns:mc="http://schemas.openxmlformats.org/markup-compatibility/2006" xmlns:mv="urn:schemas-microsoft-com:mac:vml" xmlns:p="http://schemas.openxmlformats.org/presentationml/2006/main" xmlns:c="http://schemas.openxmlformats.org/drawingml/2006/chart" xmlns:dgm="http://schemas.openxmlformats.org/drawingml/2006/diagram" xmlns:o="urn:schemas-microsoft-com:office:office" xmlns:v="urn:schemas-microsoft-com:vml" xmlns:pvml="urn:schemas-microsoft-com:office:powerpoint" xmlns:com="http://schemas.openxmlformats.org/drawingml/2006/compatibility" xmlns:p14="http://schemas.microsoft.com/office/powerpoint/2010/main" xmlns:p15="http://schemas.microsoft.com/office/powerpoint/2012/main" xmlns:ahyp="http://schemas.microsoft.com/office/drawing/2018/hyperlinkcolor">
   <p:cSld>
@@ -7859,7 +7466,7 @@
         </p:nvSpPr>
         <p:spPr>
           <a:xfrm>
-            <a:off x="311700" y="1941525"/>
+            <a:off x="311700" y="1592850"/>
             <a:ext cx="8520600" cy="1957800"/>
           </a:xfrm>
           <a:prstGeom prst="rect">
@@ -7868,7 +7475,7 @@
         </p:spPr>
         <p:txBody>
           <a:bodyPr anchorCtr="0" anchor="b" bIns="91425" lIns="91425" spcFirstLastPara="1" rIns="91425" wrap="square" tIns="91425">
-            <a:normAutofit fontScale="90000"/>
+            <a:normAutofit/>
           </a:bodyPr>
           <a:lstStyle/>
           <a:p>
@@ -7883,7 +7490,7 @@
             </a:pPr>
             <a:r>
               <a:rPr lang="it"/>
-              <a:t>Intelligenza artificiale in aula: innovare l'insegnamento con la tecnologia</a:t>
+              <a:t>IA debole e IA forte</a:t>
             </a:r>
             <a:endParaRPr/>
           </a:p>
@@ -7919,25 +7526,25 @@
           <p:cNvPr id="88" name="Google Shape;88;p17"/>
           <p:cNvSpPr txBox="1"/>
           <p:nvPr>
-            <p:ph type="ctrTitle"/>
+            <p:ph type="title"/>
           </p:nvPr>
         </p:nvSpPr>
         <p:spPr>
           <a:xfrm>
-            <a:off x="311700" y="1592850"/>
-            <a:ext cx="8520600" cy="1957800"/>
+            <a:off x="311700" y="445025"/>
+            <a:ext cx="8520600" cy="707400"/>
           </a:xfrm>
           <a:prstGeom prst="rect">
             <a:avLst/>
           </a:prstGeom>
         </p:spPr>
         <p:txBody>
-          <a:bodyPr anchorCtr="0" anchor="b" bIns="91425" lIns="91425" spcFirstLastPara="1" rIns="91425" wrap="square" tIns="91425">
-            <a:normAutofit/>
+          <a:bodyPr anchorCtr="0" anchor="t" bIns="91425" lIns="91425" spcFirstLastPara="1" rIns="91425" wrap="square" tIns="91425">
+            <a:normAutofit fontScale="90000"/>
           </a:bodyPr>
           <a:lstStyle/>
           <a:p>
-            <a:pPr indent="0" lvl="0" marL="0" rtl="0" algn="ctr">
+            <a:pPr indent="0" lvl="0" marL="0" rtl="0" algn="l">
               <a:spcBef>
                 <a:spcPts val="0"/>
               </a:spcBef>
@@ -7948,7 +7555,312 @@
             </a:pPr>
             <a:r>
               <a:rPr lang="it"/>
-              <a:t>IA debole e IA forte</a:t>
+              <a:t>IA Debole </a:t>
+            </a:r>
+            <a:endParaRPr/>
+          </a:p>
+        </p:txBody>
+      </p:sp>
+      <p:sp>
+        <p:nvSpPr>
+          <p:cNvPr id="89" name="Google Shape;89;p17"/>
+          <p:cNvSpPr txBox="1"/>
+          <p:nvPr>
+            <p:ph idx="1" type="body"/>
+          </p:nvPr>
+        </p:nvSpPr>
+        <p:spPr>
+          <a:xfrm>
+            <a:off x="311700" y="1152425"/>
+            <a:ext cx="8520600" cy="3302700"/>
+          </a:xfrm>
+          <a:prstGeom prst="rect">
+            <a:avLst/>
+          </a:prstGeom>
+        </p:spPr>
+        <p:txBody>
+          <a:bodyPr anchorCtr="0" anchor="t" bIns="91425" lIns="91425" spcFirstLastPara="1" rIns="91425" wrap="square" tIns="91425">
+            <a:noAutofit/>
+          </a:bodyPr>
+          <a:lstStyle/>
+          <a:p>
+            <a:pPr indent="0" lvl="0" marL="0" rtl="0" algn="l">
+              <a:spcBef>
+                <a:spcPts val="0"/>
+              </a:spcBef>
+              <a:spcAft>
+                <a:spcPts val="0"/>
+              </a:spcAft>
+              <a:buNone/>
+            </a:pPr>
+            <a:r>
+              <a:rPr lang="it" sz="1300"/>
+              <a:t>L’IA debole è progettata svolge compiti specifici e specifici.</a:t>
+            </a:r>
+            <a:endParaRPr sz="1300"/>
+          </a:p>
+          <a:p>
+            <a:pPr indent="0" lvl="0" marL="0" rtl="0" algn="l">
+              <a:spcBef>
+                <a:spcPts val="0"/>
+              </a:spcBef>
+              <a:spcAft>
+                <a:spcPts val="0"/>
+              </a:spcAft>
+              <a:buNone/>
+            </a:pPr>
+            <a:r>
+              <a:rPr lang="it" sz="1300"/>
+              <a:t>    </a:t>
+            </a:r>
+            <a:endParaRPr sz="1300"/>
+          </a:p>
+          <a:p>
+            <a:pPr indent="0" lvl="0" marL="0" rtl="0" algn="l">
+              <a:spcBef>
+                <a:spcPts val="0"/>
+              </a:spcBef>
+              <a:spcAft>
+                <a:spcPts val="0"/>
+              </a:spcAft>
+              <a:buNone/>
+            </a:pPr>
+            <a:r>
+              <a:rPr lang="it" sz="1300"/>
+              <a:t>    Caratteristiche principali:</a:t>
+            </a:r>
+            <a:endParaRPr sz="1300"/>
+          </a:p>
+          <a:p>
+            <a:pPr indent="0" lvl="0" marL="0" rtl="0" algn="l">
+              <a:spcBef>
+                <a:spcPts val="0"/>
+              </a:spcBef>
+              <a:spcAft>
+                <a:spcPts val="0"/>
+              </a:spcAft>
+              <a:buNone/>
+            </a:pPr>
+            <a:r>
+              <a:rPr lang="it" sz="1300"/>
+              <a:t>        </a:t>
+            </a:r>
+            <a:r>
+              <a:rPr b="1" lang="it" sz="1300"/>
+              <a:t>Specializzazione</a:t>
+            </a:r>
+            <a:r>
+              <a:rPr lang="it" sz="1300"/>
+              <a:t>: riconosce immagini, rispondere a domande o giocare a un determinato gioco.</a:t>
+            </a:r>
+            <a:endParaRPr sz="1300"/>
+          </a:p>
+          <a:p>
+            <a:pPr indent="0" lvl="0" marL="0" rtl="0" algn="l">
+              <a:spcBef>
+                <a:spcPts val="0"/>
+              </a:spcBef>
+              <a:spcAft>
+                <a:spcPts val="0"/>
+              </a:spcAft>
+              <a:buNone/>
+            </a:pPr>
+            <a:r>
+              <a:rPr lang="it" sz="1300"/>
+              <a:t>        </a:t>
+            </a:r>
+            <a:r>
+              <a:rPr b="1" lang="it" sz="1300"/>
+              <a:t>Non consapevole</a:t>
+            </a:r>
+            <a:r>
+              <a:rPr lang="it" sz="1300"/>
+              <a:t>: Non ha comprensione, intenzionalità o autocoscienza; si limita a seguire regole e schemi.</a:t>
+            </a:r>
+            <a:endParaRPr sz="1300"/>
+          </a:p>
+          <a:p>
+            <a:pPr indent="0" lvl="0" marL="0" rtl="0" algn="l">
+              <a:spcBef>
+                <a:spcPts val="0"/>
+              </a:spcBef>
+              <a:spcAft>
+                <a:spcPts val="0"/>
+              </a:spcAft>
+              <a:buNone/>
+            </a:pPr>
+            <a:r>
+              <a:rPr lang="it" sz="1300"/>
+              <a:t>        </a:t>
+            </a:r>
+            <a:endParaRPr sz="1300"/>
+          </a:p>
+          <a:p>
+            <a:pPr indent="0" lvl="0" marL="0" rtl="0" algn="l">
+              <a:spcBef>
+                <a:spcPts val="0"/>
+              </a:spcBef>
+              <a:spcAft>
+                <a:spcPts val="0"/>
+              </a:spcAft>
+              <a:buNone/>
+            </a:pPr>
+            <a:r>
+              <a:rPr lang="it" sz="1300"/>
+              <a:t>        </a:t>
+            </a:r>
+            <a:r>
+              <a:rPr i="1" lang="it" sz="1300"/>
+              <a:t>Esempi</a:t>
+            </a:r>
+            <a:r>
+              <a:rPr lang="it" sz="1300"/>
+              <a:t>:</a:t>
+            </a:r>
+            <a:endParaRPr sz="1300"/>
+          </a:p>
+          <a:p>
+            <a:pPr indent="-311150" lvl="0" marL="457200" rtl="0" algn="l">
+              <a:spcBef>
+                <a:spcPts val="0"/>
+              </a:spcBef>
+              <a:spcAft>
+                <a:spcPts val="0"/>
+              </a:spcAft>
+              <a:buSzPts val="1300"/>
+              <a:buAutoNum type="arabicPeriod"/>
+            </a:pPr>
+            <a:r>
+              <a:rPr lang="it" sz="1300"/>
+              <a:t>Assistenti vocali come Alexa, Siri e Google Assistant.</a:t>
+            </a:r>
+            <a:endParaRPr sz="1300"/>
+          </a:p>
+          <a:p>
+            <a:pPr indent="-311150" lvl="0" marL="457200" rtl="0" algn="l">
+              <a:spcBef>
+                <a:spcPts val="0"/>
+              </a:spcBef>
+              <a:spcAft>
+                <a:spcPts val="0"/>
+              </a:spcAft>
+              <a:buSzPts val="1300"/>
+              <a:buAutoNum type="arabicPeriod"/>
+            </a:pPr>
+            <a:r>
+              <a:rPr lang="it" sz="1300"/>
+              <a:t>Algoritmi di riconoscimento facciale e biometrico.</a:t>
+            </a:r>
+            <a:endParaRPr sz="1300"/>
+          </a:p>
+          <a:p>
+            <a:pPr indent="-311150" lvl="0" marL="457200" rtl="0" algn="l">
+              <a:spcBef>
+                <a:spcPts val="0"/>
+              </a:spcBef>
+              <a:spcAft>
+                <a:spcPts val="0"/>
+              </a:spcAft>
+              <a:buSzPts val="1300"/>
+              <a:buAutoNum type="arabicPeriod"/>
+            </a:pPr>
+            <a:r>
+              <a:rPr lang="it" sz="1300"/>
+              <a:t>Veicoli autonomi che utilizzano IA per la guida.</a:t>
+            </a:r>
+            <a:endParaRPr sz="1300"/>
+          </a:p>
+          <a:p>
+            <a:pPr indent="0" lvl="0" marL="0" rtl="0" algn="l">
+              <a:spcBef>
+                <a:spcPts val="0"/>
+              </a:spcBef>
+              <a:spcAft>
+                <a:spcPts val="0"/>
+              </a:spcAft>
+              <a:buNone/>
+            </a:pPr>
+            <a:r>
+              <a:rPr lang="it" sz="1300"/>
+              <a:t>    </a:t>
+            </a:r>
+            <a:endParaRPr sz="1300"/>
+          </a:p>
+          <a:p>
+            <a:pPr indent="0" lvl="0" marL="0" rtl="0" algn="l">
+              <a:spcBef>
+                <a:spcPts val="0"/>
+              </a:spcBef>
+              <a:spcAft>
+                <a:spcPts val="0"/>
+              </a:spcAft>
+              <a:buNone/>
+            </a:pPr>
+            <a:r>
+              <a:rPr lang="it" sz="1300"/>
+              <a:t>    Limiti dell’IA debole:</a:t>
+            </a:r>
+            <a:endParaRPr sz="1300"/>
+          </a:p>
+          <a:p>
+            <a:pPr indent="0" lvl="0" marL="0" rtl="0" algn="l">
+              <a:spcBef>
+                <a:spcPts val="0"/>
+              </a:spcBef>
+              <a:spcAft>
+                <a:spcPts val="0"/>
+              </a:spcAft>
+              <a:buNone/>
+            </a:pPr>
+            <a:r>
+              <a:rPr lang="it" sz="1300"/>
+              <a:t>        Dipende fortemente dai dati con cui è stata addestrata.</a:t>
+            </a:r>
+            <a:endParaRPr sz="1300"/>
+          </a:p>
+          <a:p>
+            <a:pPr indent="0" lvl="0" marL="0" rtl="0" algn="l">
+              <a:spcBef>
+                <a:spcPts val="0"/>
+              </a:spcBef>
+              <a:spcAft>
+                <a:spcPts val="0"/>
+              </a:spcAft>
+              <a:buNone/>
+            </a:pPr>
+            <a:r>
+              <a:rPr lang="it" sz="1300"/>
+              <a:t>        È inadatta a contesti nuovi o complessi al di fuori del suo dominio specifico.</a:t>
+            </a:r>
+            <a:endParaRPr sz="1300"/>
+          </a:p>
+          <a:p>
+            <a:pPr indent="0" lvl="0" marL="0" rtl="0" algn="l">
+              <a:spcBef>
+                <a:spcPts val="0"/>
+              </a:spcBef>
+              <a:spcAft>
+                <a:spcPts val="0"/>
+              </a:spcAft>
+              <a:buNone/>
+            </a:pPr>
+            <a:r>
+              <a:t/>
+            </a:r>
+            <a:endParaRPr/>
+          </a:p>
+          <a:p>
+            <a:pPr indent="0" lvl="0" marL="0" rtl="0" algn="l">
+              <a:spcBef>
+                <a:spcPts val="0"/>
+              </a:spcBef>
+              <a:spcAft>
+                <a:spcPts val="1200"/>
+              </a:spcAft>
+              <a:buNone/>
+            </a:pPr>
+            <a:r>
+              <a:t/>
             </a:r>
             <a:endParaRPr/>
           </a:p>
@@ -7967,7 +7879,7 @@
   <p:cSld>
     <p:spTree>
       <p:nvGrpSpPr>
-        <p:cNvPr id="92" name="Shape 92"/>
+        <p:cNvPr id="93" name="Shape 93"/>
         <p:cNvGrpSpPr/>
         <p:nvPr/>
       </p:nvGrpSpPr>
@@ -7981,7 +7893,7 @@
       </p:grpSpPr>
       <p:sp>
         <p:nvSpPr>
-          <p:cNvPr id="93" name="Google Shape;93;p18"/>
+          <p:cNvPr id="94" name="Google Shape;94;p18"/>
           <p:cNvSpPr txBox="1"/>
           <p:nvPr>
             <p:ph type="title"/>
@@ -8013,7 +7925,7 @@
             </a:pPr>
             <a:r>
               <a:rPr lang="it"/>
-              <a:t>IA Debole </a:t>
+              <a:t>IA Forte</a:t>
             </a:r>
             <a:endParaRPr/>
           </a:p>
@@ -8021,7 +7933,7 @@
       </p:sp>
       <p:sp>
         <p:nvSpPr>
-          <p:cNvPr id="94" name="Google Shape;94;p18"/>
+          <p:cNvPr id="95" name="Google Shape;95;p18"/>
           <p:cNvSpPr txBox="1"/>
           <p:nvPr>
             <p:ph idx="1" type="body"/>
@@ -8029,7 +7941,7 @@
         </p:nvSpPr>
         <p:spPr>
           <a:xfrm>
-            <a:off x="311700" y="1152425"/>
+            <a:off x="311700" y="1266325"/>
             <a:ext cx="8520600" cy="3302700"/>
           </a:xfrm>
           <a:prstGeom prst="rect">
@@ -8038,7 +7950,7 @@
         </p:spPr>
         <p:txBody>
           <a:bodyPr anchorCtr="0" anchor="t" bIns="91425" lIns="91425" spcFirstLastPara="1" rIns="91425" wrap="square" tIns="91425">
-            <a:noAutofit/>
+            <a:normAutofit fontScale="70000" lnSpcReduction="20000"/>
           </a:bodyPr>
           <a:lstStyle/>
           <a:p>
@@ -8052,10 +7964,10 @@
               <a:buNone/>
             </a:pPr>
             <a:r>
-              <a:rPr lang="it" sz="1300"/>
-              <a:t>L’IA debole è progettata svolge compiti specifici e specifici.</a:t>
-            </a:r>
-            <a:endParaRPr sz="1300"/>
+              <a:rPr lang="it"/>
+              <a:t>L’IA forte replica le capacità cognitive umane in modo completo. </a:t>
+            </a:r>
+            <a:endParaRPr/>
           </a:p>
           <a:p>
             <a:pPr indent="0" lvl="0" marL="0" rtl="0" algn="l">
@@ -8068,10 +7980,10 @@
               <a:buNone/>
             </a:pPr>
             <a:r>
-              <a:rPr lang="it" sz="1300"/>
+              <a:rPr lang="it"/>
               <a:t>    </a:t>
             </a:r>
-            <a:endParaRPr sz="1300"/>
+            <a:endParaRPr/>
           </a:p>
           <a:p>
             <a:pPr indent="0" lvl="0" marL="0" rtl="0" algn="l">
@@ -8084,10 +7996,14 @@
               <a:buNone/>
             </a:pPr>
             <a:r>
-              <a:rPr lang="it" sz="1300"/>
-              <a:t>    Caratteristiche principali:</a:t>
-            </a:r>
-            <a:endParaRPr sz="1300"/>
+              <a:rPr lang="it"/>
+              <a:t>    </a:t>
+            </a:r>
+            <a:r>
+              <a:rPr lang="it" sz="2120"/>
+              <a:t>Caratteristiche principali:</a:t>
+            </a:r>
+            <a:endParaRPr sz="2120"/>
           </a:p>
           <a:p>
             <a:pPr indent="0" lvl="0" marL="0" rtl="0" algn="l">
@@ -8100,18 +8016,18 @@
               <a:buNone/>
             </a:pPr>
             <a:r>
-              <a:rPr lang="it" sz="1300"/>
+              <a:rPr lang="it"/>
               <a:t>        </a:t>
             </a:r>
             <a:r>
-              <a:rPr b="1" lang="it" sz="1300"/>
-              <a:t>Specializzazione</a:t>
-            </a:r>
-            <a:r>
-              <a:rPr lang="it" sz="1300"/>
-              <a:t>: riconosce immagini, rispondere a domande o giocare a un determinato gioco.</a:t>
-            </a:r>
-            <a:endParaRPr sz="1300"/>
+              <a:rPr b="1" lang="it"/>
+              <a:t>Generalità</a:t>
+            </a:r>
+            <a:r>
+              <a:rPr lang="it"/>
+              <a:t>: È in grado di comprendere.</a:t>
+            </a:r>
+            <a:endParaRPr/>
           </a:p>
           <a:p>
             <a:pPr indent="0" lvl="0" marL="0" rtl="0" algn="l">
@@ -8124,18 +8040,18 @@
               <a:buNone/>
             </a:pPr>
             <a:r>
-              <a:rPr lang="it" sz="1300"/>
+              <a:rPr lang="it"/>
               <a:t>        </a:t>
             </a:r>
             <a:r>
-              <a:rPr b="1" lang="it" sz="1300"/>
-              <a:t>Non consapevole</a:t>
-            </a:r>
-            <a:r>
-              <a:rPr lang="it" sz="1300"/>
-              <a:t>: Non ha comprensione, intenzionalità o autocoscienza; si limita a seguire regole e schemi.</a:t>
-            </a:r>
-            <a:endParaRPr sz="1300"/>
+              <a:rPr b="1" lang="it"/>
+              <a:t>Autocoscienza</a:t>
+            </a:r>
+            <a:r>
+              <a:rPr lang="it"/>
+              <a:t>: Possiede capacità di riflettere.</a:t>
+            </a:r>
+            <a:endParaRPr/>
           </a:p>
           <a:p>
             <a:pPr indent="0" lvl="0" marL="0" rtl="0" algn="l">
@@ -8148,10 +8064,26 @@
               <a:buNone/>
             </a:pPr>
             <a:r>
-              <a:rPr lang="it" sz="1300"/>
+              <a:rPr lang="it"/>
               <a:t>        </a:t>
             </a:r>
-            <a:endParaRPr sz="1300"/>
+            <a:r>
+              <a:rPr b="1" lang="it"/>
+              <a:t>Autonomia</a:t>
+            </a:r>
+            <a:r>
+              <a:rPr lang="it"/>
+              <a:t> </a:t>
+            </a:r>
+            <a:r>
+              <a:rPr b="1" lang="it"/>
+              <a:t>completa</a:t>
+            </a:r>
+            <a:r>
+              <a:rPr lang="it"/>
+              <a:t>: Prende decisioni complesse riuscendosi ad adattare.</a:t>
+            </a:r>
+            <a:endParaRPr/>
           </a:p>
           <a:p>
             <a:pPr indent="0" lvl="0" marL="0" rtl="0" algn="l">
@@ -8164,69 +8096,72 @@
               <a:buNone/>
             </a:pPr>
             <a:r>
-              <a:rPr lang="it" sz="1300"/>
+              <a:rPr lang="it"/>
               <a:t>        </a:t>
             </a:r>
-            <a:r>
-              <a:rPr i="1" lang="it" sz="1300"/>
-              <a:t>Esempi</a:t>
-            </a:r>
-            <a:r>
-              <a:rPr lang="it" sz="1300"/>
+            <a:endParaRPr/>
+          </a:p>
+          <a:p>
+            <a:pPr indent="0" lvl="0" marL="0" rtl="0" algn="l">
+              <a:spcBef>
+                <a:spcPts val="0"/>
+              </a:spcBef>
+              <a:spcAft>
+                <a:spcPts val="0"/>
+              </a:spcAft>
+              <a:buNone/>
+            </a:pPr>
+            <a:r>
+              <a:rPr lang="it"/>
+              <a:t>       </a:t>
+            </a:r>
+            <a:r>
+              <a:rPr lang="it" sz="2120"/>
+              <a:t> </a:t>
+            </a:r>
+            <a:r>
+              <a:rPr i="1" lang="it" sz="2120"/>
+              <a:t>Esempi ipotetici</a:t>
+            </a:r>
+            <a:r>
+              <a:rPr lang="it" sz="2120"/>
               <a:t>:</a:t>
             </a:r>
-            <a:endParaRPr sz="1300"/>
-          </a:p>
-          <a:p>
-            <a:pPr indent="-311150" lvl="0" marL="457200" rtl="0" algn="l">
-              <a:spcBef>
-                <a:spcPts val="0"/>
-              </a:spcBef>
-              <a:spcAft>
-                <a:spcPts val="0"/>
-              </a:spcAft>
-              <a:buSzPts val="1300"/>
+            <a:endParaRPr sz="2120"/>
+          </a:p>
+          <a:p>
+            <a:pPr indent="-308610" lvl="0" marL="457200" rtl="0" algn="l">
+              <a:spcBef>
+                <a:spcPts val="0"/>
+              </a:spcBef>
+              <a:spcAft>
+                <a:spcPts val="0"/>
+              </a:spcAft>
+              <a:buSzPct val="100000"/>
               <a:buAutoNum type="arabicPeriod"/>
             </a:pPr>
             <a:r>
-              <a:rPr lang="it" sz="1300"/>
-              <a:t>Assistenti vocali come Alexa, Siri e Google Assistant.</a:t>
-            </a:r>
-            <a:endParaRPr sz="1300"/>
-          </a:p>
-          <a:p>
-            <a:pPr indent="-311150" lvl="0" marL="457200" rtl="0" algn="l">
-              <a:spcBef>
-                <a:spcPts val="0"/>
-              </a:spcBef>
-              <a:spcAft>
-                <a:spcPts val="0"/>
-              </a:spcAft>
-              <a:buSzPts val="1300"/>
+              <a:rPr lang="it"/>
+              <a:t>Un robot che può svolgere qualsiasi lavoro umano, dal pensare come uno scienziato al creare arte come     un artista.</a:t>
+            </a:r>
+            <a:endParaRPr/>
+          </a:p>
+          <a:p>
+            <a:pPr indent="-308610" lvl="0" marL="457200" rtl="0" algn="l">
+              <a:spcBef>
+                <a:spcPts val="0"/>
+              </a:spcBef>
+              <a:spcAft>
+                <a:spcPts val="0"/>
+              </a:spcAft>
+              <a:buSzPct val="100000"/>
               <a:buAutoNum type="arabicPeriod"/>
             </a:pPr>
             <a:r>
-              <a:rPr lang="it" sz="1300"/>
-              <a:t>Algoritmi di riconoscimento facciale e biometrico.</a:t>
-            </a:r>
-            <a:endParaRPr sz="1300"/>
-          </a:p>
-          <a:p>
-            <a:pPr indent="-311150" lvl="0" marL="457200" rtl="0" algn="l">
-              <a:spcBef>
-                <a:spcPts val="0"/>
-              </a:spcBef>
-              <a:spcAft>
-                <a:spcPts val="0"/>
-              </a:spcAft>
-              <a:buSzPts val="1300"/>
-              <a:buAutoNum type="arabicPeriod"/>
-            </a:pPr>
-            <a:r>
-              <a:rPr lang="it" sz="1300"/>
-              <a:t>Veicoli autonomi che utilizzano IA per la guida.</a:t>
-            </a:r>
-            <a:endParaRPr sz="1300"/>
+              <a:rPr lang="it"/>
+              <a:t>Sistemi in grado di discutere, ragionare e avere una propria "visione del mondo".</a:t>
+            </a:r>
+            <a:endParaRPr/>
           </a:p>
           <a:p>
             <a:pPr indent="0" lvl="0" marL="0" rtl="0" algn="l">
@@ -8239,10 +8174,25 @@
               <a:buNone/>
             </a:pPr>
             <a:r>
-              <a:rPr lang="it" sz="1300"/>
+              <a:t/>
+            </a:r>
+            <a:endParaRPr/>
+          </a:p>
+          <a:p>
+            <a:pPr indent="0" lvl="0" marL="0" rtl="0" algn="l">
+              <a:spcBef>
+                <a:spcPts val="0"/>
+              </a:spcBef>
+              <a:spcAft>
+                <a:spcPts val="0"/>
+              </a:spcAft>
+              <a:buNone/>
+            </a:pPr>
+            <a:r>
+              <a:rPr lang="it"/>
               <a:t>    </a:t>
             </a:r>
-            <a:endParaRPr sz="1300"/>
+            <a:endParaRPr/>
           </a:p>
           <a:p>
             <a:pPr indent="0" lvl="0" marL="0" rtl="0" algn="l">
@@ -8255,10 +8205,14 @@
               <a:buNone/>
             </a:pPr>
             <a:r>
-              <a:rPr lang="it" sz="1300"/>
-              <a:t>    Limiti dell’IA debole:</a:t>
-            </a:r>
-            <a:endParaRPr sz="1300"/>
+              <a:rPr lang="it"/>
+              <a:t>    </a:t>
+            </a:r>
+            <a:r>
+              <a:rPr lang="it" sz="2120"/>
+              <a:t>Stato attuale dell’IA forte:</a:t>
+            </a:r>
+            <a:endParaRPr sz="2120"/>
           </a:p>
           <a:p>
             <a:pPr indent="0" lvl="0" marL="0" rtl="0" algn="l">
@@ -8271,39 +8225,8 @@
               <a:buNone/>
             </a:pPr>
             <a:r>
-              <a:rPr lang="it" sz="1300"/>
-              <a:t>        Dipende fortemente dai dati con cui è stata addestrata.</a:t>
-            </a:r>
-            <a:endParaRPr sz="1300"/>
-          </a:p>
-          <a:p>
-            <a:pPr indent="0" lvl="0" marL="0" rtl="0" algn="l">
-              <a:spcBef>
-                <a:spcPts val="0"/>
-              </a:spcBef>
-              <a:spcAft>
-                <a:spcPts val="0"/>
-              </a:spcAft>
-              <a:buNone/>
-            </a:pPr>
-            <a:r>
-              <a:rPr lang="it" sz="1300"/>
-              <a:t>        È inadatta a contesti nuovi o complessi al di fuori del suo dominio specifico.</a:t>
-            </a:r>
-            <a:endParaRPr sz="1300"/>
-          </a:p>
-          <a:p>
-            <a:pPr indent="0" lvl="0" marL="0" rtl="0" algn="l">
-              <a:spcBef>
-                <a:spcPts val="0"/>
-              </a:spcBef>
-              <a:spcAft>
-                <a:spcPts val="0"/>
-              </a:spcAft>
-              <a:buNone/>
-            </a:pPr>
-            <a:r>
-              <a:t/>
+              <a:rPr lang="it"/>
+              <a:t>        Non esiste ancora </a:t>
             </a:r>
             <a:endParaRPr/>
           </a:p>
@@ -8337,7 +8260,7 @@
   <p:cSld>
     <p:spTree>
       <p:nvGrpSpPr>
-        <p:cNvPr id="98" name="Shape 98"/>
+        <p:cNvPr id="99" name="Shape 99"/>
         <p:cNvGrpSpPr/>
         <p:nvPr/>
       </p:nvGrpSpPr>
@@ -8351,7 +8274,7 @@
       </p:grpSpPr>
       <p:sp>
         <p:nvSpPr>
-          <p:cNvPr id="99" name="Google Shape;99;p19"/>
+          <p:cNvPr id="100" name="Google Shape;100;p19"/>
           <p:cNvSpPr txBox="1"/>
           <p:nvPr>
             <p:ph type="title"/>
@@ -8383,387 +8306,6 @@
             </a:pPr>
             <a:r>
               <a:rPr lang="it"/>
-              <a:t>IA Forte</a:t>
-            </a:r>
-            <a:endParaRPr/>
-          </a:p>
-        </p:txBody>
-      </p:sp>
-      <p:sp>
-        <p:nvSpPr>
-          <p:cNvPr id="100" name="Google Shape;100;p19"/>
-          <p:cNvSpPr txBox="1"/>
-          <p:nvPr>
-            <p:ph idx="1" type="body"/>
-          </p:nvPr>
-        </p:nvSpPr>
-        <p:spPr>
-          <a:xfrm>
-            <a:off x="311700" y="1266325"/>
-            <a:ext cx="8520600" cy="3302700"/>
-          </a:xfrm>
-          <a:prstGeom prst="rect">
-            <a:avLst/>
-          </a:prstGeom>
-        </p:spPr>
-        <p:txBody>
-          <a:bodyPr anchorCtr="0" anchor="t" bIns="91425" lIns="91425" spcFirstLastPara="1" rIns="91425" wrap="square" tIns="91425">
-            <a:normAutofit fontScale="70000" lnSpcReduction="20000"/>
-          </a:bodyPr>
-          <a:lstStyle/>
-          <a:p>
-            <a:pPr indent="0" lvl="0" marL="0" rtl="0" algn="l">
-              <a:spcBef>
-                <a:spcPts val="0"/>
-              </a:spcBef>
-              <a:spcAft>
-                <a:spcPts val="0"/>
-              </a:spcAft>
-              <a:buNone/>
-            </a:pPr>
-            <a:r>
-              <a:rPr lang="it"/>
-              <a:t>L’IA forte replica le capacità cognitive umane in modo completo. </a:t>
-            </a:r>
-            <a:endParaRPr/>
-          </a:p>
-          <a:p>
-            <a:pPr indent="0" lvl="0" marL="0" rtl="0" algn="l">
-              <a:spcBef>
-                <a:spcPts val="0"/>
-              </a:spcBef>
-              <a:spcAft>
-                <a:spcPts val="0"/>
-              </a:spcAft>
-              <a:buNone/>
-            </a:pPr>
-            <a:r>
-              <a:rPr lang="it"/>
-              <a:t>    </a:t>
-            </a:r>
-            <a:endParaRPr/>
-          </a:p>
-          <a:p>
-            <a:pPr indent="0" lvl="0" marL="0" rtl="0" algn="l">
-              <a:spcBef>
-                <a:spcPts val="0"/>
-              </a:spcBef>
-              <a:spcAft>
-                <a:spcPts val="0"/>
-              </a:spcAft>
-              <a:buNone/>
-            </a:pPr>
-            <a:r>
-              <a:rPr lang="it"/>
-              <a:t>    </a:t>
-            </a:r>
-            <a:r>
-              <a:rPr lang="it" sz="2120"/>
-              <a:t>Caratteristiche principali:</a:t>
-            </a:r>
-            <a:endParaRPr sz="2120"/>
-          </a:p>
-          <a:p>
-            <a:pPr indent="0" lvl="0" marL="0" rtl="0" algn="l">
-              <a:spcBef>
-                <a:spcPts val="0"/>
-              </a:spcBef>
-              <a:spcAft>
-                <a:spcPts val="0"/>
-              </a:spcAft>
-              <a:buNone/>
-            </a:pPr>
-            <a:r>
-              <a:rPr lang="it"/>
-              <a:t>        </a:t>
-            </a:r>
-            <a:r>
-              <a:rPr b="1" lang="it"/>
-              <a:t>Generalità</a:t>
-            </a:r>
-            <a:r>
-              <a:rPr lang="it"/>
-              <a:t>: È in grado di comprendere.</a:t>
-            </a:r>
-            <a:endParaRPr/>
-          </a:p>
-          <a:p>
-            <a:pPr indent="0" lvl="0" marL="0" rtl="0" algn="l">
-              <a:spcBef>
-                <a:spcPts val="0"/>
-              </a:spcBef>
-              <a:spcAft>
-                <a:spcPts val="0"/>
-              </a:spcAft>
-              <a:buNone/>
-            </a:pPr>
-            <a:r>
-              <a:rPr lang="it"/>
-              <a:t>        </a:t>
-            </a:r>
-            <a:r>
-              <a:rPr b="1" lang="it"/>
-              <a:t>Autocoscienza</a:t>
-            </a:r>
-            <a:r>
-              <a:rPr lang="it"/>
-              <a:t>: Possiede capacità di riflettere.</a:t>
-            </a:r>
-            <a:endParaRPr/>
-          </a:p>
-          <a:p>
-            <a:pPr indent="0" lvl="0" marL="0" rtl="0" algn="l">
-              <a:spcBef>
-                <a:spcPts val="0"/>
-              </a:spcBef>
-              <a:spcAft>
-                <a:spcPts val="0"/>
-              </a:spcAft>
-              <a:buNone/>
-            </a:pPr>
-            <a:r>
-              <a:rPr lang="it"/>
-              <a:t>        </a:t>
-            </a:r>
-            <a:r>
-              <a:rPr b="1" lang="it"/>
-              <a:t>Autonomia</a:t>
-            </a:r>
-            <a:r>
-              <a:rPr lang="it"/>
-              <a:t> </a:t>
-            </a:r>
-            <a:r>
-              <a:rPr b="1" lang="it"/>
-              <a:t>completa</a:t>
-            </a:r>
-            <a:r>
-              <a:rPr lang="it"/>
-              <a:t>: Prende decisioni complesse riuscendosi ad adattare.</a:t>
-            </a:r>
-            <a:endParaRPr/>
-          </a:p>
-          <a:p>
-            <a:pPr indent="0" lvl="0" marL="0" rtl="0" algn="l">
-              <a:spcBef>
-                <a:spcPts val="0"/>
-              </a:spcBef>
-              <a:spcAft>
-                <a:spcPts val="0"/>
-              </a:spcAft>
-              <a:buNone/>
-            </a:pPr>
-            <a:r>
-              <a:rPr lang="it"/>
-              <a:t>        </a:t>
-            </a:r>
-            <a:endParaRPr/>
-          </a:p>
-          <a:p>
-            <a:pPr indent="0" lvl="0" marL="0" rtl="0" algn="l">
-              <a:spcBef>
-                <a:spcPts val="0"/>
-              </a:spcBef>
-              <a:spcAft>
-                <a:spcPts val="0"/>
-              </a:spcAft>
-              <a:buNone/>
-            </a:pPr>
-            <a:r>
-              <a:rPr lang="it"/>
-              <a:t>       </a:t>
-            </a:r>
-            <a:r>
-              <a:rPr lang="it" sz="2120"/>
-              <a:t> </a:t>
-            </a:r>
-            <a:r>
-              <a:rPr i="1" lang="it" sz="2120"/>
-              <a:t>Esempi ipotetici</a:t>
-            </a:r>
-            <a:r>
-              <a:rPr lang="it" sz="2120"/>
-              <a:t>:</a:t>
-            </a:r>
-            <a:endParaRPr sz="2120"/>
-          </a:p>
-          <a:p>
-            <a:pPr indent="-308610" lvl="0" marL="457200" rtl="0" algn="l">
-              <a:spcBef>
-                <a:spcPts val="0"/>
-              </a:spcBef>
-              <a:spcAft>
-                <a:spcPts val="0"/>
-              </a:spcAft>
-              <a:buSzPct val="100000"/>
-              <a:buAutoNum type="arabicPeriod"/>
-            </a:pPr>
-            <a:r>
-              <a:rPr lang="it"/>
-              <a:t>Un robot che può svolgere qualsiasi lavoro umano, dal pensare come uno scienziato al creare arte come     un artista.</a:t>
-            </a:r>
-            <a:endParaRPr/>
-          </a:p>
-          <a:p>
-            <a:pPr indent="-308610" lvl="0" marL="457200" rtl="0" algn="l">
-              <a:spcBef>
-                <a:spcPts val="0"/>
-              </a:spcBef>
-              <a:spcAft>
-                <a:spcPts val="0"/>
-              </a:spcAft>
-              <a:buSzPct val="100000"/>
-              <a:buAutoNum type="arabicPeriod"/>
-            </a:pPr>
-            <a:r>
-              <a:rPr lang="it"/>
-              <a:t>Sistemi in grado di discutere, ragionare e avere una propria "visione del mondo".</a:t>
-            </a:r>
-            <a:endParaRPr/>
-          </a:p>
-          <a:p>
-            <a:pPr indent="0" lvl="0" marL="0" rtl="0" algn="l">
-              <a:spcBef>
-                <a:spcPts val="0"/>
-              </a:spcBef>
-              <a:spcAft>
-                <a:spcPts val="0"/>
-              </a:spcAft>
-              <a:buNone/>
-            </a:pPr>
-            <a:r>
-              <a:t/>
-            </a:r>
-            <a:endParaRPr/>
-          </a:p>
-          <a:p>
-            <a:pPr indent="0" lvl="0" marL="0" rtl="0" algn="l">
-              <a:spcBef>
-                <a:spcPts val="0"/>
-              </a:spcBef>
-              <a:spcAft>
-                <a:spcPts val="0"/>
-              </a:spcAft>
-              <a:buNone/>
-            </a:pPr>
-            <a:r>
-              <a:rPr lang="it"/>
-              <a:t>    </a:t>
-            </a:r>
-            <a:endParaRPr/>
-          </a:p>
-          <a:p>
-            <a:pPr indent="0" lvl="0" marL="0" rtl="0" algn="l">
-              <a:spcBef>
-                <a:spcPts val="0"/>
-              </a:spcBef>
-              <a:spcAft>
-                <a:spcPts val="0"/>
-              </a:spcAft>
-              <a:buNone/>
-            </a:pPr>
-            <a:r>
-              <a:rPr lang="it"/>
-              <a:t>    </a:t>
-            </a:r>
-            <a:r>
-              <a:rPr lang="it" sz="2120"/>
-              <a:t>Stato attuale dell’IA forte:</a:t>
-            </a:r>
-            <a:endParaRPr sz="2120"/>
-          </a:p>
-          <a:p>
-            <a:pPr indent="0" lvl="0" marL="0" rtl="0" algn="l">
-              <a:spcBef>
-                <a:spcPts val="0"/>
-              </a:spcBef>
-              <a:spcAft>
-                <a:spcPts val="0"/>
-              </a:spcAft>
-              <a:buNone/>
-            </a:pPr>
-            <a:r>
-              <a:rPr lang="it"/>
-              <a:t>        Non esiste ancora </a:t>
-            </a:r>
-            <a:endParaRPr/>
-          </a:p>
-          <a:p>
-            <a:pPr indent="0" lvl="0" marL="0" rtl="0" algn="l">
-              <a:spcBef>
-                <a:spcPts val="0"/>
-              </a:spcBef>
-              <a:spcAft>
-                <a:spcPts val="1200"/>
-              </a:spcAft>
-              <a:buNone/>
-            </a:pPr>
-            <a:r>
-              <a:t/>
-            </a:r>
-            <a:endParaRPr/>
-          </a:p>
-        </p:txBody>
-      </p:sp>
-    </p:spTree>
-  </p:cSld>
-  <p:clrMapOvr>
-    <a:masterClrMapping/>
-  </p:clrMapOvr>
-</p:sld>
-</file>
-
-<file path=ppt/slides/slide8.xml><?xml version="1.0" encoding="utf-8"?>
-<p:sld xmlns:a="http://schemas.openxmlformats.org/drawingml/2006/main" xmlns:r="http://schemas.openxmlformats.org/officeDocument/2006/relationships" xmlns:mc="http://schemas.openxmlformats.org/markup-compatibility/2006" xmlns:mv="urn:schemas-microsoft-com:mac:vml" xmlns:p="http://schemas.openxmlformats.org/presentationml/2006/main" xmlns:c="http://schemas.openxmlformats.org/drawingml/2006/chart" xmlns:dgm="http://schemas.openxmlformats.org/drawingml/2006/diagram" xmlns:o="urn:schemas-microsoft-com:office:office" xmlns:v="urn:schemas-microsoft-com:vml" xmlns:pvml="urn:schemas-microsoft-com:office:powerpoint" xmlns:com="http://schemas.openxmlformats.org/drawingml/2006/compatibility" xmlns:p14="http://schemas.microsoft.com/office/powerpoint/2010/main" xmlns:p15="http://schemas.microsoft.com/office/powerpoint/2012/main" xmlns:ahyp="http://schemas.microsoft.com/office/drawing/2018/hyperlinkcolor">
-  <p:cSld>
-    <p:spTree>
-      <p:nvGrpSpPr>
-        <p:cNvPr id="104" name="Shape 104"/>
-        <p:cNvGrpSpPr/>
-        <p:nvPr/>
-      </p:nvGrpSpPr>
-      <p:grpSpPr>
-        <a:xfrm>
-          <a:off x="0" y="0"/>
-          <a:ext cx="0" cy="0"/>
-          <a:chOff x="0" y="0"/>
-          <a:chExt cx="0" cy="0"/>
-        </a:xfrm>
-      </p:grpSpPr>
-      <p:sp>
-        <p:nvSpPr>
-          <p:cNvPr id="105" name="Google Shape;105;p20"/>
-          <p:cNvSpPr txBox="1"/>
-          <p:nvPr>
-            <p:ph type="title"/>
-          </p:nvPr>
-        </p:nvSpPr>
-        <p:spPr>
-          <a:xfrm>
-            <a:off x="311700" y="445025"/>
-            <a:ext cx="8520600" cy="707400"/>
-          </a:xfrm>
-          <a:prstGeom prst="rect">
-            <a:avLst/>
-          </a:prstGeom>
-        </p:spPr>
-        <p:txBody>
-          <a:bodyPr anchorCtr="0" anchor="t" bIns="91425" lIns="91425" spcFirstLastPara="1" rIns="91425" wrap="square" tIns="91425">
-            <a:normAutofit fontScale="90000"/>
-          </a:bodyPr>
-          <a:lstStyle/>
-          <a:p>
-            <a:pPr indent="0" lvl="0" marL="0" rtl="0" algn="l">
-              <a:spcBef>
-                <a:spcPts val="0"/>
-              </a:spcBef>
-              <a:spcAft>
-                <a:spcPts val="0"/>
-              </a:spcAft>
-              <a:buNone/>
-            </a:pPr>
-            <a:r>
-              <a:rPr lang="it"/>
               <a:t>Chat GPT</a:t>
             </a:r>
             <a:endParaRPr/>
@@ -8772,7 +8314,7 @@
       </p:sp>
       <p:pic>
         <p:nvPicPr>
-          <p:cNvPr descr="File:ChatGPT-Logo.png - Wikimedia Commons" id="106" name="Google Shape;106;p20"/>
+          <p:cNvPr descr="File:ChatGPT-Logo.png - Wikimedia Commons" id="101" name="Google Shape;101;p19"/>
           <p:cNvPicPr preferRelativeResize="0"/>
           <p:nvPr/>
         </p:nvPicPr>
@@ -8806,12 +8348,12 @@
 </p:sld>
 </file>
 
-<file path=ppt/slides/slide9.xml><?xml version="1.0" encoding="utf-8"?>
+<file path=ppt/slides/slide8.xml><?xml version="1.0" encoding="utf-8"?>
 <p:sld xmlns:a="http://schemas.openxmlformats.org/drawingml/2006/main" xmlns:r="http://schemas.openxmlformats.org/officeDocument/2006/relationships" xmlns:mc="http://schemas.openxmlformats.org/markup-compatibility/2006" xmlns:mv="urn:schemas-microsoft-com:mac:vml" xmlns:p="http://schemas.openxmlformats.org/presentationml/2006/main" xmlns:c="http://schemas.openxmlformats.org/drawingml/2006/chart" xmlns:dgm="http://schemas.openxmlformats.org/drawingml/2006/diagram" xmlns:o="urn:schemas-microsoft-com:office:office" xmlns:v="urn:schemas-microsoft-com:vml" xmlns:pvml="urn:schemas-microsoft-com:office:powerpoint" xmlns:com="http://schemas.openxmlformats.org/drawingml/2006/compatibility" xmlns:p14="http://schemas.microsoft.com/office/powerpoint/2010/main" xmlns:p15="http://schemas.microsoft.com/office/powerpoint/2012/main" xmlns:ahyp="http://schemas.microsoft.com/office/drawing/2018/hyperlinkcolor">
   <p:cSld>
     <p:spTree>
       <p:nvGrpSpPr>
-        <p:cNvPr id="110" name="Shape 110"/>
+        <p:cNvPr id="105" name="Shape 105"/>
         <p:cNvGrpSpPr/>
         <p:nvPr/>
       </p:nvGrpSpPr>
@@ -8825,7 +8367,7 @@
       </p:grpSpPr>
       <p:sp>
         <p:nvSpPr>
-          <p:cNvPr id="111" name="Google Shape;111;p21"/>
+          <p:cNvPr id="106" name="Google Shape;106;p20"/>
           <p:cNvSpPr txBox="1"/>
           <p:nvPr>
             <p:ph type="title"/>
@@ -8865,7 +8407,7 @@
       </p:sp>
       <p:sp>
         <p:nvSpPr>
-          <p:cNvPr id="112" name="Google Shape;112;p21"/>
+          <p:cNvPr id="107" name="Google Shape;107;p20"/>
           <p:cNvSpPr txBox="1"/>
           <p:nvPr>
             <p:ph idx="1" type="body"/>
@@ -9090,6 +8632,299 @@
               <a:t/>
             </a:r>
             <a:endParaRPr sz="1700"/>
+          </a:p>
+        </p:txBody>
+      </p:sp>
+    </p:spTree>
+  </p:cSld>
+  <p:clrMapOvr>
+    <a:masterClrMapping/>
+  </p:clrMapOvr>
+</p:sld>
+</file>
+
+<file path=ppt/slides/slide9.xml><?xml version="1.0" encoding="utf-8"?>
+<p:sld xmlns:a="http://schemas.openxmlformats.org/drawingml/2006/main" xmlns:r="http://schemas.openxmlformats.org/officeDocument/2006/relationships" xmlns:mc="http://schemas.openxmlformats.org/markup-compatibility/2006" xmlns:mv="urn:schemas-microsoft-com:mac:vml" xmlns:p="http://schemas.openxmlformats.org/presentationml/2006/main" xmlns:c="http://schemas.openxmlformats.org/drawingml/2006/chart" xmlns:dgm="http://schemas.openxmlformats.org/drawingml/2006/diagram" xmlns:o="urn:schemas-microsoft-com:office:office" xmlns:v="urn:schemas-microsoft-com:vml" xmlns:pvml="urn:schemas-microsoft-com:office:powerpoint" xmlns:com="http://schemas.openxmlformats.org/drawingml/2006/compatibility" xmlns:p14="http://schemas.microsoft.com/office/powerpoint/2010/main" xmlns:p15="http://schemas.microsoft.com/office/powerpoint/2012/main" xmlns:ahyp="http://schemas.microsoft.com/office/drawing/2018/hyperlinkcolor">
+  <p:cSld>
+    <p:spTree>
+      <p:nvGrpSpPr>
+        <p:cNvPr id="111" name="Shape 111"/>
+        <p:cNvGrpSpPr/>
+        <p:nvPr/>
+      </p:nvGrpSpPr>
+      <p:grpSpPr>
+        <a:xfrm>
+          <a:off x="0" y="0"/>
+          <a:ext cx="0" cy="0"/>
+          <a:chOff x="0" y="0"/>
+          <a:chExt cx="0" cy="0"/>
+        </a:xfrm>
+      </p:grpSpPr>
+      <p:sp>
+        <p:nvSpPr>
+          <p:cNvPr id="112" name="Google Shape;112;p21"/>
+          <p:cNvSpPr txBox="1"/>
+          <p:nvPr>
+            <p:ph type="title"/>
+          </p:nvPr>
+        </p:nvSpPr>
+        <p:spPr>
+          <a:xfrm>
+            <a:off x="311700" y="445025"/>
+            <a:ext cx="8520600" cy="707400"/>
+          </a:xfrm>
+          <a:prstGeom prst="rect">
+            <a:avLst/>
+          </a:prstGeom>
+        </p:spPr>
+        <p:txBody>
+          <a:bodyPr anchorCtr="0" anchor="t" bIns="91425" lIns="91425" spcFirstLastPara="1" rIns="91425" wrap="square" tIns="91425">
+            <a:normAutofit fontScale="90000"/>
+          </a:bodyPr>
+          <a:lstStyle/>
+          <a:p>
+            <a:pPr indent="0" lvl="0" marL="0" rtl="0" algn="l">
+              <a:spcBef>
+                <a:spcPts val="0"/>
+              </a:spcBef>
+              <a:spcAft>
+                <a:spcPts val="0"/>
+              </a:spcAft>
+              <a:buNone/>
+            </a:pPr>
+            <a:r>
+              <a:rPr lang="it"/>
+              <a:t>Progetto Individuale </a:t>
+            </a:r>
+            <a:endParaRPr/>
+          </a:p>
+        </p:txBody>
+      </p:sp>
+      <p:sp>
+        <p:nvSpPr>
+          <p:cNvPr id="113" name="Google Shape;113;p21"/>
+          <p:cNvSpPr txBox="1"/>
+          <p:nvPr>
+            <p:ph idx="1" type="body"/>
+          </p:nvPr>
+        </p:nvSpPr>
+        <p:spPr>
+          <a:xfrm>
+            <a:off x="311700" y="1266325"/>
+            <a:ext cx="8520600" cy="3302700"/>
+          </a:xfrm>
+          <a:prstGeom prst="rect">
+            <a:avLst/>
+          </a:prstGeom>
+        </p:spPr>
+        <p:txBody>
+          <a:bodyPr anchorCtr="0" anchor="t" bIns="91425" lIns="91425" spcFirstLastPara="1" rIns="91425" wrap="square" tIns="91425">
+            <a:normAutofit lnSpcReduction="20000"/>
+          </a:bodyPr>
+          <a:lstStyle/>
+          <a:p>
+            <a:pPr indent="-342900" lvl="0" marL="457200" rtl="0" algn="l">
+              <a:spcBef>
+                <a:spcPts val="0"/>
+              </a:spcBef>
+              <a:spcAft>
+                <a:spcPts val="0"/>
+              </a:spcAft>
+              <a:buSzPts val="1800"/>
+              <a:buAutoNum type="arabicPeriod"/>
+            </a:pPr>
+            <a:r>
+              <a:rPr lang="it"/>
+              <a:t>Creazione di una lezione completa su un argomento a scelta utilizzando strumenti di IA.</a:t>
+            </a:r>
+            <a:endParaRPr/>
+          </a:p>
+          <a:p>
+            <a:pPr indent="-342900" lvl="0" marL="457200" rtl="0" algn="l">
+              <a:spcBef>
+                <a:spcPts val="0"/>
+              </a:spcBef>
+              <a:spcAft>
+                <a:spcPts val="0"/>
+              </a:spcAft>
+              <a:buSzPts val="1800"/>
+              <a:buAutoNum type="arabicPeriod"/>
+            </a:pPr>
+            <a:r>
+              <a:rPr lang="it"/>
+              <a:t>Struttura: </a:t>
+            </a:r>
+            <a:endParaRPr/>
+          </a:p>
+          <a:p>
+            <a:pPr indent="-317500" lvl="1" marL="914400" rtl="0" algn="l">
+              <a:spcBef>
+                <a:spcPts val="0"/>
+              </a:spcBef>
+              <a:spcAft>
+                <a:spcPts val="0"/>
+              </a:spcAft>
+              <a:buSzPts val="1400"/>
+              <a:buAutoNum type="alphaLcPeriod"/>
+            </a:pPr>
+            <a:r>
+              <a:rPr lang="it"/>
+              <a:t>Introduzione all'argomento.</a:t>
+            </a:r>
+            <a:endParaRPr/>
+          </a:p>
+          <a:p>
+            <a:pPr indent="-317500" lvl="1" marL="914400" rtl="0" algn="l">
+              <a:spcBef>
+                <a:spcPts val="0"/>
+              </a:spcBef>
+              <a:spcAft>
+                <a:spcPts val="0"/>
+              </a:spcAft>
+              <a:buSzPts val="1400"/>
+              <a:buAutoNum type="alphaLcPeriod"/>
+            </a:pPr>
+            <a:r>
+              <a:rPr lang="it"/>
+              <a:t>Concetti base e avanzati.</a:t>
+            </a:r>
+            <a:endParaRPr/>
+          </a:p>
+          <a:p>
+            <a:pPr indent="-317500" lvl="1" marL="914400" rtl="0" algn="l">
+              <a:spcBef>
+                <a:spcPts val="0"/>
+              </a:spcBef>
+              <a:spcAft>
+                <a:spcPts val="0"/>
+              </a:spcAft>
+              <a:buSzPts val="1400"/>
+              <a:buAutoNum type="alphaLcPeriod"/>
+            </a:pPr>
+            <a:r>
+              <a:rPr lang="it"/>
+              <a:t>Applicazioni pratiche.</a:t>
+            </a:r>
+            <a:endParaRPr/>
+          </a:p>
+          <a:p>
+            <a:pPr indent="-317500" lvl="1" marL="914400" rtl="0" algn="l">
+              <a:spcBef>
+                <a:spcPts val="0"/>
+              </a:spcBef>
+              <a:spcAft>
+                <a:spcPts val="0"/>
+              </a:spcAft>
+              <a:buSzPts val="1400"/>
+              <a:buAutoNum type="alphaLcPeriod"/>
+            </a:pPr>
+            <a:r>
+              <a:rPr lang="it"/>
+              <a:t>Esercizi pratici o quiz.</a:t>
+            </a:r>
+            <a:endParaRPr/>
+          </a:p>
+          <a:p>
+            <a:pPr indent="-317500" lvl="1" marL="914400" rtl="0" algn="l">
+              <a:spcBef>
+                <a:spcPts val="0"/>
+              </a:spcBef>
+              <a:spcAft>
+                <a:spcPts val="0"/>
+              </a:spcAft>
+              <a:buSzPts val="1400"/>
+              <a:buAutoNum type="alphaLcPeriod"/>
+            </a:pPr>
+            <a:r>
+              <a:rPr lang="it"/>
+              <a:t>Riepilogo e risorse aggiuntive.</a:t>
+            </a:r>
+            <a:endParaRPr/>
+          </a:p>
+          <a:p>
+            <a:pPr indent="-342900" lvl="0" marL="457200" rtl="0" algn="l">
+              <a:spcBef>
+                <a:spcPts val="0"/>
+              </a:spcBef>
+              <a:spcAft>
+                <a:spcPts val="0"/>
+              </a:spcAft>
+              <a:buSzPts val="1800"/>
+              <a:buAutoNum type="arabicPeriod"/>
+            </a:pPr>
+            <a:r>
+              <a:rPr lang="it"/>
+              <a:t>Creazione di Materiale didattico </a:t>
+            </a:r>
+            <a:endParaRPr/>
+          </a:p>
+          <a:p>
+            <a:pPr indent="-317500" lvl="1" marL="914400" rtl="0" algn="l">
+              <a:spcBef>
+                <a:spcPts val="0"/>
+              </a:spcBef>
+              <a:spcAft>
+                <a:spcPts val="0"/>
+              </a:spcAft>
+              <a:buSzPts val="1400"/>
+              <a:buAutoNum type="alphaLcPeriod"/>
+            </a:pPr>
+            <a:r>
+              <a:rPr lang="it"/>
+              <a:t>Schede didattiche </a:t>
+            </a:r>
+            <a:endParaRPr/>
+          </a:p>
+          <a:p>
+            <a:pPr indent="-317500" lvl="1" marL="914400" rtl="0" algn="l">
+              <a:spcBef>
+                <a:spcPts val="0"/>
+              </a:spcBef>
+              <a:spcAft>
+                <a:spcPts val="0"/>
+              </a:spcAft>
+              <a:buSzPts val="1400"/>
+              <a:buAutoNum type="alphaLcPeriod"/>
+            </a:pPr>
+            <a:r>
+              <a:rPr lang="it"/>
+              <a:t>Quiz interattivi </a:t>
+            </a:r>
+            <a:endParaRPr/>
+          </a:p>
+          <a:p>
+            <a:pPr indent="-317500" lvl="1" marL="914400" rtl="0" algn="l">
+              <a:spcBef>
+                <a:spcPts val="0"/>
+              </a:spcBef>
+              <a:spcAft>
+                <a:spcPts val="0"/>
+              </a:spcAft>
+              <a:buSzPts val="1400"/>
+              <a:buAutoNum type="alphaLcPeriod"/>
+            </a:pPr>
+            <a:r>
+              <a:rPr lang="it"/>
+              <a:t>creazione di immagini usando AI </a:t>
+            </a:r>
+            <a:endParaRPr/>
+          </a:p>
+          <a:p>
+            <a:pPr indent="-342900" lvl="0" marL="457200" rtl="0" algn="l">
+              <a:spcBef>
+                <a:spcPts val="0"/>
+              </a:spcBef>
+              <a:spcAft>
+                <a:spcPts val="0"/>
+              </a:spcAft>
+              <a:buSzPts val="1800"/>
+              <a:buAutoNum type="arabicPeriod"/>
+            </a:pPr>
+            <a:r>
+              <a:rPr lang="it"/>
+              <a:t>Presentazione</a:t>
+            </a:r>
+            <a:endParaRPr/>
           </a:p>
         </p:txBody>
       </p:sp>
